--- a/ppt 16-9/1173.主就是从天降.pptx
+++ b/ppt 16-9/1173.主就是从天降.pptx
@@ -129,7 +129,7 @@
           <p:cNvPr id="2" name="标题 1">
             <a:extLst>
               <a:ext uri="{FF2B5EF4-FFF2-40B4-BE49-F238E27FC236}">
-                <a16:creationId xmlns:a16="http://schemas.microsoft.com/office/drawing/2014/main" id="{12002216-35DB-2237-9A88-811AB1B4CE2D}"/>
+                <a16:creationId xmlns:a16="http://schemas.microsoft.com/office/drawing/2014/main" id="{D49A65D2-0B45-7D9B-60A3-106240FA45DF}"/>
               </a:ext>
             </a:extLst>
           </p:cNvPr>
@@ -166,7 +166,7 @@
           <p:cNvPr id="3" name="副标题 2">
             <a:extLst>
               <a:ext uri="{FF2B5EF4-FFF2-40B4-BE49-F238E27FC236}">
-                <a16:creationId xmlns:a16="http://schemas.microsoft.com/office/drawing/2014/main" id="{7B9FAECE-E924-8B2A-0B6D-D372121B8676}"/>
+                <a16:creationId xmlns:a16="http://schemas.microsoft.com/office/drawing/2014/main" id="{99CB9F0E-758E-572E-C3B0-CFD3B7C730D9}"/>
               </a:ext>
             </a:extLst>
           </p:cNvPr>
@@ -236,7 +236,7 @@
           <p:cNvPr id="4" name="日期占位符 3">
             <a:extLst>
               <a:ext uri="{FF2B5EF4-FFF2-40B4-BE49-F238E27FC236}">
-                <a16:creationId xmlns:a16="http://schemas.microsoft.com/office/drawing/2014/main" id="{8F102F6D-F584-4A27-BE34-5AD4BB252DCF}"/>
+                <a16:creationId xmlns:a16="http://schemas.microsoft.com/office/drawing/2014/main" id="{266E042A-CE56-0636-0E30-B3E58CB2E6B0}"/>
               </a:ext>
             </a:extLst>
           </p:cNvPr>
@@ -252,7 +252,7 @@
           <a:bodyPr/>
           <a:lstStyle/>
           <a:p>
-            <a:fld id="{A982493E-0EDD-4712-B1D8-0FF8447CE6BB}" type="datetimeFigureOut">
+            <a:fld id="{A3C82F72-5B94-4F46-BAE3-49849EF04C42}" type="datetimeFigureOut">
               <a:rPr lang="zh-CN" altLang="en-US" smtClean="0"/>
               <a:t>2024/3/10</a:t>
             </a:fld>
@@ -265,7 +265,7 @@
           <p:cNvPr id="5" name="页脚占位符 4">
             <a:extLst>
               <a:ext uri="{FF2B5EF4-FFF2-40B4-BE49-F238E27FC236}">
-                <a16:creationId xmlns:a16="http://schemas.microsoft.com/office/drawing/2014/main" id="{6758F4DA-B4B7-2C1D-F3C9-0D6E13FD0BC8}"/>
+                <a16:creationId xmlns:a16="http://schemas.microsoft.com/office/drawing/2014/main" id="{DF57CEF5-850A-CD12-B127-5F84C22215FE}"/>
               </a:ext>
             </a:extLst>
           </p:cNvPr>
@@ -290,7 +290,7 @@
           <p:cNvPr id="6" name="灯片编号占位符 5">
             <a:extLst>
               <a:ext uri="{FF2B5EF4-FFF2-40B4-BE49-F238E27FC236}">
-                <a16:creationId xmlns:a16="http://schemas.microsoft.com/office/drawing/2014/main" id="{19108682-DCB9-1ADE-5C15-1F400D873F40}"/>
+                <a16:creationId xmlns:a16="http://schemas.microsoft.com/office/drawing/2014/main" id="{1A539F9D-33AC-5EEA-166A-188C5E1E2E64}"/>
               </a:ext>
             </a:extLst>
           </p:cNvPr>
@@ -306,7 +306,7 @@
           <a:bodyPr/>
           <a:lstStyle/>
           <a:p>
-            <a:fld id="{CA8EBACE-A36A-45C7-8DE2-8B581FA699B2}" type="slidenum">
+            <a:fld id="{DB8FB0C4-886A-42DF-AAE9-01287DCB2B91}" type="slidenum">
               <a:rPr lang="zh-CN" altLang="en-US" smtClean="0"/>
               <a:t>‹#›</a:t>
             </a:fld>
@@ -317,7 +317,7 @@
     </p:spTree>
     <p:extLst>
       <p:ext uri="{BB962C8B-B14F-4D97-AF65-F5344CB8AC3E}">
-        <p14:creationId xmlns:p14="http://schemas.microsoft.com/office/powerpoint/2010/main" val="2675319045"/>
+        <p14:creationId xmlns:p14="http://schemas.microsoft.com/office/powerpoint/2010/main" val="2714407475"/>
       </p:ext>
     </p:extLst>
   </p:cSld>
@@ -349,7 +349,7 @@
           <p:cNvPr id="2" name="标题 1">
             <a:extLst>
               <a:ext uri="{FF2B5EF4-FFF2-40B4-BE49-F238E27FC236}">
-                <a16:creationId xmlns:a16="http://schemas.microsoft.com/office/drawing/2014/main" id="{7D4E4E7A-8DAE-D9F1-2FFC-64654AD2C71C}"/>
+                <a16:creationId xmlns:a16="http://schemas.microsoft.com/office/drawing/2014/main" id="{0673D7C0-76CD-7F5F-BB5D-54A500736011}"/>
               </a:ext>
             </a:extLst>
           </p:cNvPr>
@@ -377,7 +377,7 @@
           <p:cNvPr id="3" name="竖排文字占位符 2">
             <a:extLst>
               <a:ext uri="{FF2B5EF4-FFF2-40B4-BE49-F238E27FC236}">
-                <a16:creationId xmlns:a16="http://schemas.microsoft.com/office/drawing/2014/main" id="{BDD438CD-58FE-25DC-1DA9-59A06B272668}"/>
+                <a16:creationId xmlns:a16="http://schemas.microsoft.com/office/drawing/2014/main" id="{AA826D85-2338-83F5-3903-E547181A62C4}"/>
               </a:ext>
             </a:extLst>
           </p:cNvPr>
@@ -434,7 +434,7 @@
           <p:cNvPr id="4" name="日期占位符 3">
             <a:extLst>
               <a:ext uri="{FF2B5EF4-FFF2-40B4-BE49-F238E27FC236}">
-                <a16:creationId xmlns:a16="http://schemas.microsoft.com/office/drawing/2014/main" id="{AE55171C-A57F-451C-94AE-793C49560F5E}"/>
+                <a16:creationId xmlns:a16="http://schemas.microsoft.com/office/drawing/2014/main" id="{B8586F9D-80C2-C4D6-A4DF-3732DCB6FE53}"/>
               </a:ext>
             </a:extLst>
           </p:cNvPr>
@@ -450,7 +450,7 @@
           <a:bodyPr/>
           <a:lstStyle/>
           <a:p>
-            <a:fld id="{A982493E-0EDD-4712-B1D8-0FF8447CE6BB}" type="datetimeFigureOut">
+            <a:fld id="{A3C82F72-5B94-4F46-BAE3-49849EF04C42}" type="datetimeFigureOut">
               <a:rPr lang="zh-CN" altLang="en-US" smtClean="0"/>
               <a:t>2024/3/10</a:t>
             </a:fld>
@@ -463,7 +463,7 @@
           <p:cNvPr id="5" name="页脚占位符 4">
             <a:extLst>
               <a:ext uri="{FF2B5EF4-FFF2-40B4-BE49-F238E27FC236}">
-                <a16:creationId xmlns:a16="http://schemas.microsoft.com/office/drawing/2014/main" id="{5DB82B5E-832A-A5F6-80C5-4504EBFAC90B}"/>
+                <a16:creationId xmlns:a16="http://schemas.microsoft.com/office/drawing/2014/main" id="{3260B8BB-69FC-B3CA-855F-03983F7FDB91}"/>
               </a:ext>
             </a:extLst>
           </p:cNvPr>
@@ -488,7 +488,7 @@
           <p:cNvPr id="6" name="灯片编号占位符 5">
             <a:extLst>
               <a:ext uri="{FF2B5EF4-FFF2-40B4-BE49-F238E27FC236}">
-                <a16:creationId xmlns:a16="http://schemas.microsoft.com/office/drawing/2014/main" id="{72D11EAC-D5B2-E567-EA4A-D19242A52DE3}"/>
+                <a16:creationId xmlns:a16="http://schemas.microsoft.com/office/drawing/2014/main" id="{D3337584-79CC-D8FE-A20C-D887DE8EAAA7}"/>
               </a:ext>
             </a:extLst>
           </p:cNvPr>
@@ -504,7 +504,7 @@
           <a:bodyPr/>
           <a:lstStyle/>
           <a:p>
-            <a:fld id="{CA8EBACE-A36A-45C7-8DE2-8B581FA699B2}" type="slidenum">
+            <a:fld id="{DB8FB0C4-886A-42DF-AAE9-01287DCB2B91}" type="slidenum">
               <a:rPr lang="zh-CN" altLang="en-US" smtClean="0"/>
               <a:t>‹#›</a:t>
             </a:fld>
@@ -515,7 +515,7 @@
     </p:spTree>
     <p:extLst>
       <p:ext uri="{BB962C8B-B14F-4D97-AF65-F5344CB8AC3E}">
-        <p14:creationId xmlns:p14="http://schemas.microsoft.com/office/powerpoint/2010/main" val="3242426440"/>
+        <p14:creationId xmlns:p14="http://schemas.microsoft.com/office/powerpoint/2010/main" val="1385801208"/>
       </p:ext>
     </p:extLst>
   </p:cSld>
@@ -547,7 +547,7 @@
           <p:cNvPr id="2" name="竖排标题 1">
             <a:extLst>
               <a:ext uri="{FF2B5EF4-FFF2-40B4-BE49-F238E27FC236}">
-                <a16:creationId xmlns:a16="http://schemas.microsoft.com/office/drawing/2014/main" id="{BF8B15B5-78D1-7B98-A4E4-1D572B0FA968}"/>
+                <a16:creationId xmlns:a16="http://schemas.microsoft.com/office/drawing/2014/main" id="{547CA6CF-647F-3D92-0044-C4FD47030DCE}"/>
               </a:ext>
             </a:extLst>
           </p:cNvPr>
@@ -580,7 +580,7 @@
           <p:cNvPr id="3" name="竖排文字占位符 2">
             <a:extLst>
               <a:ext uri="{FF2B5EF4-FFF2-40B4-BE49-F238E27FC236}">
-                <a16:creationId xmlns:a16="http://schemas.microsoft.com/office/drawing/2014/main" id="{8E07DEA0-0722-B1B9-2033-30104AA0582D}"/>
+                <a16:creationId xmlns:a16="http://schemas.microsoft.com/office/drawing/2014/main" id="{AB5C44E9-6A8D-0C38-5058-E40822A3518C}"/>
               </a:ext>
             </a:extLst>
           </p:cNvPr>
@@ -642,7 +642,7 @@
           <p:cNvPr id="4" name="日期占位符 3">
             <a:extLst>
               <a:ext uri="{FF2B5EF4-FFF2-40B4-BE49-F238E27FC236}">
-                <a16:creationId xmlns:a16="http://schemas.microsoft.com/office/drawing/2014/main" id="{43E1999C-1CD3-9623-4BC4-52FC0F8238FB}"/>
+                <a16:creationId xmlns:a16="http://schemas.microsoft.com/office/drawing/2014/main" id="{57E8DA9B-16F5-9831-6278-53E1749EE7E5}"/>
               </a:ext>
             </a:extLst>
           </p:cNvPr>
@@ -658,7 +658,7 @@
           <a:bodyPr/>
           <a:lstStyle/>
           <a:p>
-            <a:fld id="{A982493E-0EDD-4712-B1D8-0FF8447CE6BB}" type="datetimeFigureOut">
+            <a:fld id="{A3C82F72-5B94-4F46-BAE3-49849EF04C42}" type="datetimeFigureOut">
               <a:rPr lang="zh-CN" altLang="en-US" smtClean="0"/>
               <a:t>2024/3/10</a:t>
             </a:fld>
@@ -671,7 +671,7 @@
           <p:cNvPr id="5" name="页脚占位符 4">
             <a:extLst>
               <a:ext uri="{FF2B5EF4-FFF2-40B4-BE49-F238E27FC236}">
-                <a16:creationId xmlns:a16="http://schemas.microsoft.com/office/drawing/2014/main" id="{CB2F1577-A8C3-6572-001E-5850A2EE3ADD}"/>
+                <a16:creationId xmlns:a16="http://schemas.microsoft.com/office/drawing/2014/main" id="{4B350A86-86B0-D51D-20A8-594EFBC20FC4}"/>
               </a:ext>
             </a:extLst>
           </p:cNvPr>
@@ -696,7 +696,7 @@
           <p:cNvPr id="6" name="灯片编号占位符 5">
             <a:extLst>
               <a:ext uri="{FF2B5EF4-FFF2-40B4-BE49-F238E27FC236}">
-                <a16:creationId xmlns:a16="http://schemas.microsoft.com/office/drawing/2014/main" id="{01527E90-535D-5640-5ECE-B8D20FCB3E89}"/>
+                <a16:creationId xmlns:a16="http://schemas.microsoft.com/office/drawing/2014/main" id="{ABB8D5F7-7577-4023-2619-91495F2087CD}"/>
               </a:ext>
             </a:extLst>
           </p:cNvPr>
@@ -712,7 +712,7 @@
           <a:bodyPr/>
           <a:lstStyle/>
           <a:p>
-            <a:fld id="{CA8EBACE-A36A-45C7-8DE2-8B581FA699B2}" type="slidenum">
+            <a:fld id="{DB8FB0C4-886A-42DF-AAE9-01287DCB2B91}" type="slidenum">
               <a:rPr lang="zh-CN" altLang="en-US" smtClean="0"/>
               <a:t>‹#›</a:t>
             </a:fld>
@@ -723,7 +723,7 @@
     </p:spTree>
     <p:extLst>
       <p:ext uri="{BB962C8B-B14F-4D97-AF65-F5344CB8AC3E}">
-        <p14:creationId xmlns:p14="http://schemas.microsoft.com/office/powerpoint/2010/main" val="914344474"/>
+        <p14:creationId xmlns:p14="http://schemas.microsoft.com/office/powerpoint/2010/main" val="158831206"/>
       </p:ext>
     </p:extLst>
   </p:cSld>
@@ -755,7 +755,7 @@
           <p:cNvPr id="2" name="标题 1">
             <a:extLst>
               <a:ext uri="{FF2B5EF4-FFF2-40B4-BE49-F238E27FC236}">
-                <a16:creationId xmlns:a16="http://schemas.microsoft.com/office/drawing/2014/main" id="{3BC38836-0470-82D4-4806-CC0CEF44DCD1}"/>
+                <a16:creationId xmlns:a16="http://schemas.microsoft.com/office/drawing/2014/main" id="{D8266E8C-81BD-0E51-A16D-5D64CBA1A22F}"/>
               </a:ext>
             </a:extLst>
           </p:cNvPr>
@@ -783,7 +783,7 @@
           <p:cNvPr id="3" name="内容占位符 2">
             <a:extLst>
               <a:ext uri="{FF2B5EF4-FFF2-40B4-BE49-F238E27FC236}">
-                <a16:creationId xmlns:a16="http://schemas.microsoft.com/office/drawing/2014/main" id="{CC6743FD-8CAA-21B3-2C53-6C02D97AC064}"/>
+                <a16:creationId xmlns:a16="http://schemas.microsoft.com/office/drawing/2014/main" id="{58E6506D-6C6C-2967-9128-DE4124870B16}"/>
               </a:ext>
             </a:extLst>
           </p:cNvPr>
@@ -840,7 +840,7 @@
           <p:cNvPr id="4" name="日期占位符 3">
             <a:extLst>
               <a:ext uri="{FF2B5EF4-FFF2-40B4-BE49-F238E27FC236}">
-                <a16:creationId xmlns:a16="http://schemas.microsoft.com/office/drawing/2014/main" id="{6DF304FE-4356-4C60-F2E2-439397E10CC2}"/>
+                <a16:creationId xmlns:a16="http://schemas.microsoft.com/office/drawing/2014/main" id="{9B1AA29E-6DEA-644B-2104-0133325A0F14}"/>
               </a:ext>
             </a:extLst>
           </p:cNvPr>
@@ -856,7 +856,7 @@
           <a:bodyPr/>
           <a:lstStyle/>
           <a:p>
-            <a:fld id="{A982493E-0EDD-4712-B1D8-0FF8447CE6BB}" type="datetimeFigureOut">
+            <a:fld id="{A3C82F72-5B94-4F46-BAE3-49849EF04C42}" type="datetimeFigureOut">
               <a:rPr lang="zh-CN" altLang="en-US" smtClean="0"/>
               <a:t>2024/3/10</a:t>
             </a:fld>
@@ -869,7 +869,7 @@
           <p:cNvPr id="5" name="页脚占位符 4">
             <a:extLst>
               <a:ext uri="{FF2B5EF4-FFF2-40B4-BE49-F238E27FC236}">
-                <a16:creationId xmlns:a16="http://schemas.microsoft.com/office/drawing/2014/main" id="{186A7668-F2C2-3727-A5AC-73CAE4CB2EB6}"/>
+                <a16:creationId xmlns:a16="http://schemas.microsoft.com/office/drawing/2014/main" id="{E7EE5B50-3A18-9EB4-5D4F-573A3B44F085}"/>
               </a:ext>
             </a:extLst>
           </p:cNvPr>
@@ -894,7 +894,7 @@
           <p:cNvPr id="6" name="灯片编号占位符 5">
             <a:extLst>
               <a:ext uri="{FF2B5EF4-FFF2-40B4-BE49-F238E27FC236}">
-                <a16:creationId xmlns:a16="http://schemas.microsoft.com/office/drawing/2014/main" id="{F7DA1C92-79C1-AF89-97A3-9F4728FB9598}"/>
+                <a16:creationId xmlns:a16="http://schemas.microsoft.com/office/drawing/2014/main" id="{A4D82CE5-4F95-A172-C80B-E05FA6DC9466}"/>
               </a:ext>
             </a:extLst>
           </p:cNvPr>
@@ -910,7 +910,7 @@
           <a:bodyPr/>
           <a:lstStyle/>
           <a:p>
-            <a:fld id="{CA8EBACE-A36A-45C7-8DE2-8B581FA699B2}" type="slidenum">
+            <a:fld id="{DB8FB0C4-886A-42DF-AAE9-01287DCB2B91}" type="slidenum">
               <a:rPr lang="zh-CN" altLang="en-US" smtClean="0"/>
               <a:t>‹#›</a:t>
             </a:fld>
@@ -921,7 +921,7 @@
     </p:spTree>
     <p:extLst>
       <p:ext uri="{BB962C8B-B14F-4D97-AF65-F5344CB8AC3E}">
-        <p14:creationId xmlns:p14="http://schemas.microsoft.com/office/powerpoint/2010/main" val="2184835231"/>
+        <p14:creationId xmlns:p14="http://schemas.microsoft.com/office/powerpoint/2010/main" val="3856008602"/>
       </p:ext>
     </p:extLst>
   </p:cSld>
@@ -953,7 +953,7 @@
           <p:cNvPr id="2" name="标题 1">
             <a:extLst>
               <a:ext uri="{FF2B5EF4-FFF2-40B4-BE49-F238E27FC236}">
-                <a16:creationId xmlns:a16="http://schemas.microsoft.com/office/drawing/2014/main" id="{24352D23-6984-E167-8242-9D8A6990FB86}"/>
+                <a16:creationId xmlns:a16="http://schemas.microsoft.com/office/drawing/2014/main" id="{9546A347-3DA3-EEEF-4C65-6F19BE64D7C7}"/>
               </a:ext>
             </a:extLst>
           </p:cNvPr>
@@ -990,7 +990,7 @@
           <p:cNvPr id="3" name="文本占位符 2">
             <a:extLst>
               <a:ext uri="{FF2B5EF4-FFF2-40B4-BE49-F238E27FC236}">
-                <a16:creationId xmlns:a16="http://schemas.microsoft.com/office/drawing/2014/main" id="{95DF119C-1BE5-C854-AC69-F04E8307F0BB}"/>
+                <a16:creationId xmlns:a16="http://schemas.microsoft.com/office/drawing/2014/main" id="{48CF00B2-F72F-A84E-443B-8D4A7A3C0D09}"/>
               </a:ext>
             </a:extLst>
           </p:cNvPr>
@@ -1115,7 +1115,7 @@
           <p:cNvPr id="4" name="日期占位符 3">
             <a:extLst>
               <a:ext uri="{FF2B5EF4-FFF2-40B4-BE49-F238E27FC236}">
-                <a16:creationId xmlns:a16="http://schemas.microsoft.com/office/drawing/2014/main" id="{FEAACEB3-4C9F-C313-D33F-BF3245047E81}"/>
+                <a16:creationId xmlns:a16="http://schemas.microsoft.com/office/drawing/2014/main" id="{D4844B0D-A575-FDBC-0A73-0BEB2C7C27C6}"/>
               </a:ext>
             </a:extLst>
           </p:cNvPr>
@@ -1131,7 +1131,7 @@
           <a:bodyPr/>
           <a:lstStyle/>
           <a:p>
-            <a:fld id="{A982493E-0EDD-4712-B1D8-0FF8447CE6BB}" type="datetimeFigureOut">
+            <a:fld id="{A3C82F72-5B94-4F46-BAE3-49849EF04C42}" type="datetimeFigureOut">
               <a:rPr lang="zh-CN" altLang="en-US" smtClean="0"/>
               <a:t>2024/3/10</a:t>
             </a:fld>
@@ -1144,7 +1144,7 @@
           <p:cNvPr id="5" name="页脚占位符 4">
             <a:extLst>
               <a:ext uri="{FF2B5EF4-FFF2-40B4-BE49-F238E27FC236}">
-                <a16:creationId xmlns:a16="http://schemas.microsoft.com/office/drawing/2014/main" id="{4EACB073-15AA-30FF-1A9A-02B3E12557CD}"/>
+                <a16:creationId xmlns:a16="http://schemas.microsoft.com/office/drawing/2014/main" id="{DDFB4177-D93B-013A-FA1A-CB09E36D434B}"/>
               </a:ext>
             </a:extLst>
           </p:cNvPr>
@@ -1169,7 +1169,7 @@
           <p:cNvPr id="6" name="灯片编号占位符 5">
             <a:extLst>
               <a:ext uri="{FF2B5EF4-FFF2-40B4-BE49-F238E27FC236}">
-                <a16:creationId xmlns:a16="http://schemas.microsoft.com/office/drawing/2014/main" id="{1A232A61-00C7-FAC1-E24C-9E6F8CC9631B}"/>
+                <a16:creationId xmlns:a16="http://schemas.microsoft.com/office/drawing/2014/main" id="{A8051392-3B31-878B-67E0-2E023A14C716}"/>
               </a:ext>
             </a:extLst>
           </p:cNvPr>
@@ -1185,7 +1185,7 @@
           <a:bodyPr/>
           <a:lstStyle/>
           <a:p>
-            <a:fld id="{CA8EBACE-A36A-45C7-8DE2-8B581FA699B2}" type="slidenum">
+            <a:fld id="{DB8FB0C4-886A-42DF-AAE9-01287DCB2B91}" type="slidenum">
               <a:rPr lang="zh-CN" altLang="en-US" smtClean="0"/>
               <a:t>‹#›</a:t>
             </a:fld>
@@ -1196,7 +1196,7 @@
     </p:spTree>
     <p:extLst>
       <p:ext uri="{BB962C8B-B14F-4D97-AF65-F5344CB8AC3E}">
-        <p14:creationId xmlns:p14="http://schemas.microsoft.com/office/powerpoint/2010/main" val="3250403754"/>
+        <p14:creationId xmlns:p14="http://schemas.microsoft.com/office/powerpoint/2010/main" val="2849427589"/>
       </p:ext>
     </p:extLst>
   </p:cSld>
@@ -1228,7 +1228,7 @@
           <p:cNvPr id="2" name="标题 1">
             <a:extLst>
               <a:ext uri="{FF2B5EF4-FFF2-40B4-BE49-F238E27FC236}">
-                <a16:creationId xmlns:a16="http://schemas.microsoft.com/office/drawing/2014/main" id="{9809035C-5ADD-E4CC-D914-5778AC91494D}"/>
+                <a16:creationId xmlns:a16="http://schemas.microsoft.com/office/drawing/2014/main" id="{3929AB5C-C0E1-3DA6-A40A-757FBD233689}"/>
               </a:ext>
             </a:extLst>
           </p:cNvPr>
@@ -1256,7 +1256,7 @@
           <p:cNvPr id="3" name="内容占位符 2">
             <a:extLst>
               <a:ext uri="{FF2B5EF4-FFF2-40B4-BE49-F238E27FC236}">
-                <a16:creationId xmlns:a16="http://schemas.microsoft.com/office/drawing/2014/main" id="{BBE767D8-3624-20E1-0DC3-616FABC49CC2}"/>
+                <a16:creationId xmlns:a16="http://schemas.microsoft.com/office/drawing/2014/main" id="{DFCC2BF5-142E-DC64-D6CD-929ED5835A70}"/>
               </a:ext>
             </a:extLst>
           </p:cNvPr>
@@ -1318,7 +1318,7 @@
           <p:cNvPr id="4" name="内容占位符 3">
             <a:extLst>
               <a:ext uri="{FF2B5EF4-FFF2-40B4-BE49-F238E27FC236}">
-                <a16:creationId xmlns:a16="http://schemas.microsoft.com/office/drawing/2014/main" id="{B75C8D6F-ED9B-7D65-9F91-4E658D7C3DF4}"/>
+                <a16:creationId xmlns:a16="http://schemas.microsoft.com/office/drawing/2014/main" id="{8513FA27-3EB8-4070-206F-CD5B17C42289}"/>
               </a:ext>
             </a:extLst>
           </p:cNvPr>
@@ -1380,7 +1380,7 @@
           <p:cNvPr id="5" name="日期占位符 4">
             <a:extLst>
               <a:ext uri="{FF2B5EF4-FFF2-40B4-BE49-F238E27FC236}">
-                <a16:creationId xmlns:a16="http://schemas.microsoft.com/office/drawing/2014/main" id="{77516802-2D17-FE97-2C59-F30731D3CCF2}"/>
+                <a16:creationId xmlns:a16="http://schemas.microsoft.com/office/drawing/2014/main" id="{922594F4-9942-ACED-7531-FA674EE0F053}"/>
               </a:ext>
             </a:extLst>
           </p:cNvPr>
@@ -1396,7 +1396,7 @@
           <a:bodyPr/>
           <a:lstStyle/>
           <a:p>
-            <a:fld id="{A982493E-0EDD-4712-B1D8-0FF8447CE6BB}" type="datetimeFigureOut">
+            <a:fld id="{A3C82F72-5B94-4F46-BAE3-49849EF04C42}" type="datetimeFigureOut">
               <a:rPr lang="zh-CN" altLang="en-US" smtClean="0"/>
               <a:t>2024/3/10</a:t>
             </a:fld>
@@ -1409,7 +1409,7 @@
           <p:cNvPr id="6" name="页脚占位符 5">
             <a:extLst>
               <a:ext uri="{FF2B5EF4-FFF2-40B4-BE49-F238E27FC236}">
-                <a16:creationId xmlns:a16="http://schemas.microsoft.com/office/drawing/2014/main" id="{37DB8726-BB84-63A4-F31B-8A305BEA8972}"/>
+                <a16:creationId xmlns:a16="http://schemas.microsoft.com/office/drawing/2014/main" id="{8245FA42-AA6C-0E71-6F84-C1B188DB848E}"/>
               </a:ext>
             </a:extLst>
           </p:cNvPr>
@@ -1434,7 +1434,7 @@
           <p:cNvPr id="7" name="灯片编号占位符 6">
             <a:extLst>
               <a:ext uri="{FF2B5EF4-FFF2-40B4-BE49-F238E27FC236}">
-                <a16:creationId xmlns:a16="http://schemas.microsoft.com/office/drawing/2014/main" id="{3782249C-1043-BF83-BF9B-3831A00CC589}"/>
+                <a16:creationId xmlns:a16="http://schemas.microsoft.com/office/drawing/2014/main" id="{9BC7F329-80F5-D213-72CA-DDCA2D268EC7}"/>
               </a:ext>
             </a:extLst>
           </p:cNvPr>
@@ -1450,7 +1450,7 @@
           <a:bodyPr/>
           <a:lstStyle/>
           <a:p>
-            <a:fld id="{CA8EBACE-A36A-45C7-8DE2-8B581FA699B2}" type="slidenum">
+            <a:fld id="{DB8FB0C4-886A-42DF-AAE9-01287DCB2B91}" type="slidenum">
               <a:rPr lang="zh-CN" altLang="en-US" smtClean="0"/>
               <a:t>‹#›</a:t>
             </a:fld>
@@ -1461,7 +1461,7 @@
     </p:spTree>
     <p:extLst>
       <p:ext uri="{BB962C8B-B14F-4D97-AF65-F5344CB8AC3E}">
-        <p14:creationId xmlns:p14="http://schemas.microsoft.com/office/powerpoint/2010/main" val="3989669989"/>
+        <p14:creationId xmlns:p14="http://schemas.microsoft.com/office/powerpoint/2010/main" val="1364730750"/>
       </p:ext>
     </p:extLst>
   </p:cSld>
@@ -1493,7 +1493,7 @@
           <p:cNvPr id="2" name="标题 1">
             <a:extLst>
               <a:ext uri="{FF2B5EF4-FFF2-40B4-BE49-F238E27FC236}">
-                <a16:creationId xmlns:a16="http://schemas.microsoft.com/office/drawing/2014/main" id="{4464222E-8FFF-1ED4-A444-3F01CCC57772}"/>
+                <a16:creationId xmlns:a16="http://schemas.microsoft.com/office/drawing/2014/main" id="{E37E440A-BBF8-CFCB-3E5E-CD67CC876265}"/>
               </a:ext>
             </a:extLst>
           </p:cNvPr>
@@ -1526,7 +1526,7 @@
           <p:cNvPr id="3" name="文本占位符 2">
             <a:extLst>
               <a:ext uri="{FF2B5EF4-FFF2-40B4-BE49-F238E27FC236}">
-                <a16:creationId xmlns:a16="http://schemas.microsoft.com/office/drawing/2014/main" id="{9F05961E-4B46-10B4-A309-6056ADEFE3DC}"/>
+                <a16:creationId xmlns:a16="http://schemas.microsoft.com/office/drawing/2014/main" id="{32B8DB8C-92C8-2B11-AA1A-51D6CB35C1DF}"/>
               </a:ext>
             </a:extLst>
           </p:cNvPr>
@@ -1597,7 +1597,7 @@
           <p:cNvPr id="4" name="内容占位符 3">
             <a:extLst>
               <a:ext uri="{FF2B5EF4-FFF2-40B4-BE49-F238E27FC236}">
-                <a16:creationId xmlns:a16="http://schemas.microsoft.com/office/drawing/2014/main" id="{1F358D61-79A9-CCB8-F5F5-D001CC8562AC}"/>
+                <a16:creationId xmlns:a16="http://schemas.microsoft.com/office/drawing/2014/main" id="{66DCCFE8-8F89-DD4A-6198-1EFA44289CF9}"/>
               </a:ext>
             </a:extLst>
           </p:cNvPr>
@@ -1659,7 +1659,7 @@
           <p:cNvPr id="5" name="文本占位符 4">
             <a:extLst>
               <a:ext uri="{FF2B5EF4-FFF2-40B4-BE49-F238E27FC236}">
-                <a16:creationId xmlns:a16="http://schemas.microsoft.com/office/drawing/2014/main" id="{78400E7A-DF4D-2014-B4D4-81454611A796}"/>
+                <a16:creationId xmlns:a16="http://schemas.microsoft.com/office/drawing/2014/main" id="{93E2E98B-DD76-520B-088D-2926DCECCCF4}"/>
               </a:ext>
             </a:extLst>
           </p:cNvPr>
@@ -1730,7 +1730,7 @@
           <p:cNvPr id="6" name="内容占位符 5">
             <a:extLst>
               <a:ext uri="{FF2B5EF4-FFF2-40B4-BE49-F238E27FC236}">
-                <a16:creationId xmlns:a16="http://schemas.microsoft.com/office/drawing/2014/main" id="{E52A7EB5-9BD3-CC43-92B0-D6B4699E5297}"/>
+                <a16:creationId xmlns:a16="http://schemas.microsoft.com/office/drawing/2014/main" id="{73C31383-7DF6-B88D-46DA-15FB5DA6A59A}"/>
               </a:ext>
             </a:extLst>
           </p:cNvPr>
@@ -1792,7 +1792,7 @@
           <p:cNvPr id="7" name="日期占位符 6">
             <a:extLst>
               <a:ext uri="{FF2B5EF4-FFF2-40B4-BE49-F238E27FC236}">
-                <a16:creationId xmlns:a16="http://schemas.microsoft.com/office/drawing/2014/main" id="{332D33AC-AD33-BA09-8BD0-9F8E9BBA397F}"/>
+                <a16:creationId xmlns:a16="http://schemas.microsoft.com/office/drawing/2014/main" id="{A040E217-594E-DED7-6B65-4D61CF9E2BE3}"/>
               </a:ext>
             </a:extLst>
           </p:cNvPr>
@@ -1808,7 +1808,7 @@
           <a:bodyPr/>
           <a:lstStyle/>
           <a:p>
-            <a:fld id="{A982493E-0EDD-4712-B1D8-0FF8447CE6BB}" type="datetimeFigureOut">
+            <a:fld id="{A3C82F72-5B94-4F46-BAE3-49849EF04C42}" type="datetimeFigureOut">
               <a:rPr lang="zh-CN" altLang="en-US" smtClean="0"/>
               <a:t>2024/3/10</a:t>
             </a:fld>
@@ -1821,7 +1821,7 @@
           <p:cNvPr id="8" name="页脚占位符 7">
             <a:extLst>
               <a:ext uri="{FF2B5EF4-FFF2-40B4-BE49-F238E27FC236}">
-                <a16:creationId xmlns:a16="http://schemas.microsoft.com/office/drawing/2014/main" id="{04B911B3-455E-8DB1-88C8-BF6C0BE01B99}"/>
+                <a16:creationId xmlns:a16="http://schemas.microsoft.com/office/drawing/2014/main" id="{F4EA953B-710A-8D6F-9FAD-65341E5F8A40}"/>
               </a:ext>
             </a:extLst>
           </p:cNvPr>
@@ -1846,7 +1846,7 @@
           <p:cNvPr id="9" name="灯片编号占位符 8">
             <a:extLst>
               <a:ext uri="{FF2B5EF4-FFF2-40B4-BE49-F238E27FC236}">
-                <a16:creationId xmlns:a16="http://schemas.microsoft.com/office/drawing/2014/main" id="{BA3426C8-BFB0-B624-2BF4-2419DA388E44}"/>
+                <a16:creationId xmlns:a16="http://schemas.microsoft.com/office/drawing/2014/main" id="{DC1E85B4-95D1-8936-94F4-980BB8017162}"/>
               </a:ext>
             </a:extLst>
           </p:cNvPr>
@@ -1862,7 +1862,7 @@
           <a:bodyPr/>
           <a:lstStyle/>
           <a:p>
-            <a:fld id="{CA8EBACE-A36A-45C7-8DE2-8B581FA699B2}" type="slidenum">
+            <a:fld id="{DB8FB0C4-886A-42DF-AAE9-01287DCB2B91}" type="slidenum">
               <a:rPr lang="zh-CN" altLang="en-US" smtClean="0"/>
               <a:t>‹#›</a:t>
             </a:fld>
@@ -1873,7 +1873,7 @@
     </p:spTree>
     <p:extLst>
       <p:ext uri="{BB962C8B-B14F-4D97-AF65-F5344CB8AC3E}">
-        <p14:creationId xmlns:p14="http://schemas.microsoft.com/office/powerpoint/2010/main" val="711810024"/>
+        <p14:creationId xmlns:p14="http://schemas.microsoft.com/office/powerpoint/2010/main" val="418639551"/>
       </p:ext>
     </p:extLst>
   </p:cSld>
@@ -1905,7 +1905,7 @@
           <p:cNvPr id="2" name="标题 1">
             <a:extLst>
               <a:ext uri="{FF2B5EF4-FFF2-40B4-BE49-F238E27FC236}">
-                <a16:creationId xmlns:a16="http://schemas.microsoft.com/office/drawing/2014/main" id="{C10E2BDA-3BF8-9B96-15DC-78F9B77082C6}"/>
+                <a16:creationId xmlns:a16="http://schemas.microsoft.com/office/drawing/2014/main" id="{AD0BF79E-9F4B-924E-5BE4-9CF1D5019304}"/>
               </a:ext>
             </a:extLst>
           </p:cNvPr>
@@ -1933,7 +1933,7 @@
           <p:cNvPr id="3" name="日期占位符 2">
             <a:extLst>
               <a:ext uri="{FF2B5EF4-FFF2-40B4-BE49-F238E27FC236}">
-                <a16:creationId xmlns:a16="http://schemas.microsoft.com/office/drawing/2014/main" id="{CAF14CFB-751F-0B00-B9C1-6CD093CEE1F4}"/>
+                <a16:creationId xmlns:a16="http://schemas.microsoft.com/office/drawing/2014/main" id="{5CCBD8D8-0554-487D-8CE6-98A16E32AB79}"/>
               </a:ext>
             </a:extLst>
           </p:cNvPr>
@@ -1949,7 +1949,7 @@
           <a:bodyPr/>
           <a:lstStyle/>
           <a:p>
-            <a:fld id="{A982493E-0EDD-4712-B1D8-0FF8447CE6BB}" type="datetimeFigureOut">
+            <a:fld id="{A3C82F72-5B94-4F46-BAE3-49849EF04C42}" type="datetimeFigureOut">
               <a:rPr lang="zh-CN" altLang="en-US" smtClean="0"/>
               <a:t>2024/3/10</a:t>
             </a:fld>
@@ -1962,7 +1962,7 @@
           <p:cNvPr id="4" name="页脚占位符 3">
             <a:extLst>
               <a:ext uri="{FF2B5EF4-FFF2-40B4-BE49-F238E27FC236}">
-                <a16:creationId xmlns:a16="http://schemas.microsoft.com/office/drawing/2014/main" id="{4FCC33FC-3B5E-F521-1218-07939A896675}"/>
+                <a16:creationId xmlns:a16="http://schemas.microsoft.com/office/drawing/2014/main" id="{B5BF7BC7-DDD0-8E00-F5E8-73F6620CC067}"/>
               </a:ext>
             </a:extLst>
           </p:cNvPr>
@@ -1987,7 +1987,7 @@
           <p:cNvPr id="5" name="灯片编号占位符 4">
             <a:extLst>
               <a:ext uri="{FF2B5EF4-FFF2-40B4-BE49-F238E27FC236}">
-                <a16:creationId xmlns:a16="http://schemas.microsoft.com/office/drawing/2014/main" id="{E79E2CCC-057C-4131-A99E-DFD2E2566601}"/>
+                <a16:creationId xmlns:a16="http://schemas.microsoft.com/office/drawing/2014/main" id="{ADEB28EA-4EF9-C21E-7C53-F4820CB79EC8}"/>
               </a:ext>
             </a:extLst>
           </p:cNvPr>
@@ -2003,7 +2003,7 @@
           <a:bodyPr/>
           <a:lstStyle/>
           <a:p>
-            <a:fld id="{CA8EBACE-A36A-45C7-8DE2-8B581FA699B2}" type="slidenum">
+            <a:fld id="{DB8FB0C4-886A-42DF-AAE9-01287DCB2B91}" type="slidenum">
               <a:rPr lang="zh-CN" altLang="en-US" smtClean="0"/>
               <a:t>‹#›</a:t>
             </a:fld>
@@ -2014,7 +2014,7 @@
     </p:spTree>
     <p:extLst>
       <p:ext uri="{BB962C8B-B14F-4D97-AF65-F5344CB8AC3E}">
-        <p14:creationId xmlns:p14="http://schemas.microsoft.com/office/powerpoint/2010/main" val="2997563638"/>
+        <p14:creationId xmlns:p14="http://schemas.microsoft.com/office/powerpoint/2010/main" val="2252472454"/>
       </p:ext>
     </p:extLst>
   </p:cSld>
@@ -2046,7 +2046,7 @@
           <p:cNvPr id="2" name="日期占位符 1">
             <a:extLst>
               <a:ext uri="{FF2B5EF4-FFF2-40B4-BE49-F238E27FC236}">
-                <a16:creationId xmlns:a16="http://schemas.microsoft.com/office/drawing/2014/main" id="{D1E85B99-4ACF-CEC9-3443-7219F4AF58F1}"/>
+                <a16:creationId xmlns:a16="http://schemas.microsoft.com/office/drawing/2014/main" id="{B87F05A3-F23F-A5E4-321E-06828AE174F3}"/>
               </a:ext>
             </a:extLst>
           </p:cNvPr>
@@ -2062,7 +2062,7 @@
           <a:bodyPr/>
           <a:lstStyle/>
           <a:p>
-            <a:fld id="{A982493E-0EDD-4712-B1D8-0FF8447CE6BB}" type="datetimeFigureOut">
+            <a:fld id="{A3C82F72-5B94-4F46-BAE3-49849EF04C42}" type="datetimeFigureOut">
               <a:rPr lang="zh-CN" altLang="en-US" smtClean="0"/>
               <a:t>2024/3/10</a:t>
             </a:fld>
@@ -2075,7 +2075,7 @@
           <p:cNvPr id="3" name="页脚占位符 2">
             <a:extLst>
               <a:ext uri="{FF2B5EF4-FFF2-40B4-BE49-F238E27FC236}">
-                <a16:creationId xmlns:a16="http://schemas.microsoft.com/office/drawing/2014/main" id="{C3A856F8-F304-8077-0119-F56CF72BE6CD}"/>
+                <a16:creationId xmlns:a16="http://schemas.microsoft.com/office/drawing/2014/main" id="{AB257D75-A3F5-ADF2-AAD5-F1B8BF27358B}"/>
               </a:ext>
             </a:extLst>
           </p:cNvPr>
@@ -2100,7 +2100,7 @@
           <p:cNvPr id="4" name="灯片编号占位符 3">
             <a:extLst>
               <a:ext uri="{FF2B5EF4-FFF2-40B4-BE49-F238E27FC236}">
-                <a16:creationId xmlns:a16="http://schemas.microsoft.com/office/drawing/2014/main" id="{3D0EEF3F-E897-5C1C-ACDB-DDDDB5C33ACA}"/>
+                <a16:creationId xmlns:a16="http://schemas.microsoft.com/office/drawing/2014/main" id="{84A46DCB-24E6-4A73-1D4A-312257E8EF7A}"/>
               </a:ext>
             </a:extLst>
           </p:cNvPr>
@@ -2116,7 +2116,7 @@
           <a:bodyPr/>
           <a:lstStyle/>
           <a:p>
-            <a:fld id="{CA8EBACE-A36A-45C7-8DE2-8B581FA699B2}" type="slidenum">
+            <a:fld id="{DB8FB0C4-886A-42DF-AAE9-01287DCB2B91}" type="slidenum">
               <a:rPr lang="zh-CN" altLang="en-US" smtClean="0"/>
               <a:t>‹#›</a:t>
             </a:fld>
@@ -2127,7 +2127,7 @@
     </p:spTree>
     <p:extLst>
       <p:ext uri="{BB962C8B-B14F-4D97-AF65-F5344CB8AC3E}">
-        <p14:creationId xmlns:p14="http://schemas.microsoft.com/office/powerpoint/2010/main" val="2435582186"/>
+        <p14:creationId xmlns:p14="http://schemas.microsoft.com/office/powerpoint/2010/main" val="3628408764"/>
       </p:ext>
     </p:extLst>
   </p:cSld>
@@ -2159,7 +2159,7 @@
           <p:cNvPr id="2" name="标题 1">
             <a:extLst>
               <a:ext uri="{FF2B5EF4-FFF2-40B4-BE49-F238E27FC236}">
-                <a16:creationId xmlns:a16="http://schemas.microsoft.com/office/drawing/2014/main" id="{152EB87F-54EC-FF9C-2830-8C0CAEA36710}"/>
+                <a16:creationId xmlns:a16="http://schemas.microsoft.com/office/drawing/2014/main" id="{9D9CDAE9-4CC5-E6B2-88B8-6084A9564EBC}"/>
               </a:ext>
             </a:extLst>
           </p:cNvPr>
@@ -2196,7 +2196,7 @@
           <p:cNvPr id="3" name="内容占位符 2">
             <a:extLst>
               <a:ext uri="{FF2B5EF4-FFF2-40B4-BE49-F238E27FC236}">
-                <a16:creationId xmlns:a16="http://schemas.microsoft.com/office/drawing/2014/main" id="{77D7FC17-A78C-0605-92A1-870EE7B83D8C}"/>
+                <a16:creationId xmlns:a16="http://schemas.microsoft.com/office/drawing/2014/main" id="{4458064F-5BA9-CF0D-724F-7FA132490210}"/>
               </a:ext>
             </a:extLst>
           </p:cNvPr>
@@ -2286,7 +2286,7 @@
           <p:cNvPr id="4" name="文本占位符 3">
             <a:extLst>
               <a:ext uri="{FF2B5EF4-FFF2-40B4-BE49-F238E27FC236}">
-                <a16:creationId xmlns:a16="http://schemas.microsoft.com/office/drawing/2014/main" id="{B294F0BB-728D-128E-4D4F-DA261079413A}"/>
+                <a16:creationId xmlns:a16="http://schemas.microsoft.com/office/drawing/2014/main" id="{DB0E6F5F-111C-2F93-9CF5-77BC8FAC610B}"/>
               </a:ext>
             </a:extLst>
           </p:cNvPr>
@@ -2357,7 +2357,7 @@
           <p:cNvPr id="5" name="日期占位符 4">
             <a:extLst>
               <a:ext uri="{FF2B5EF4-FFF2-40B4-BE49-F238E27FC236}">
-                <a16:creationId xmlns:a16="http://schemas.microsoft.com/office/drawing/2014/main" id="{6C01AD6D-3398-43BA-A7E6-97E32C9C4F29}"/>
+                <a16:creationId xmlns:a16="http://schemas.microsoft.com/office/drawing/2014/main" id="{DF386FBC-26C2-70DE-8EFA-63BD2C0E183D}"/>
               </a:ext>
             </a:extLst>
           </p:cNvPr>
@@ -2373,7 +2373,7 @@
           <a:bodyPr/>
           <a:lstStyle/>
           <a:p>
-            <a:fld id="{A982493E-0EDD-4712-B1D8-0FF8447CE6BB}" type="datetimeFigureOut">
+            <a:fld id="{A3C82F72-5B94-4F46-BAE3-49849EF04C42}" type="datetimeFigureOut">
               <a:rPr lang="zh-CN" altLang="en-US" smtClean="0"/>
               <a:t>2024/3/10</a:t>
             </a:fld>
@@ -2386,7 +2386,7 @@
           <p:cNvPr id="6" name="页脚占位符 5">
             <a:extLst>
               <a:ext uri="{FF2B5EF4-FFF2-40B4-BE49-F238E27FC236}">
-                <a16:creationId xmlns:a16="http://schemas.microsoft.com/office/drawing/2014/main" id="{6CD5AFA6-CB97-2A76-5207-5792A95E0125}"/>
+                <a16:creationId xmlns:a16="http://schemas.microsoft.com/office/drawing/2014/main" id="{9D4F6AE4-ED51-059B-9963-2BA766911154}"/>
               </a:ext>
             </a:extLst>
           </p:cNvPr>
@@ -2411,7 +2411,7 @@
           <p:cNvPr id="7" name="灯片编号占位符 6">
             <a:extLst>
               <a:ext uri="{FF2B5EF4-FFF2-40B4-BE49-F238E27FC236}">
-                <a16:creationId xmlns:a16="http://schemas.microsoft.com/office/drawing/2014/main" id="{EFE2F291-AA62-88AC-587C-1F67FA0E7A76}"/>
+                <a16:creationId xmlns:a16="http://schemas.microsoft.com/office/drawing/2014/main" id="{50673A48-9189-C10A-8256-7BA0C11F8902}"/>
               </a:ext>
             </a:extLst>
           </p:cNvPr>
@@ -2427,7 +2427,7 @@
           <a:bodyPr/>
           <a:lstStyle/>
           <a:p>
-            <a:fld id="{CA8EBACE-A36A-45C7-8DE2-8B581FA699B2}" type="slidenum">
+            <a:fld id="{DB8FB0C4-886A-42DF-AAE9-01287DCB2B91}" type="slidenum">
               <a:rPr lang="zh-CN" altLang="en-US" smtClean="0"/>
               <a:t>‹#›</a:t>
             </a:fld>
@@ -2438,7 +2438,7 @@
     </p:spTree>
     <p:extLst>
       <p:ext uri="{BB962C8B-B14F-4D97-AF65-F5344CB8AC3E}">
-        <p14:creationId xmlns:p14="http://schemas.microsoft.com/office/powerpoint/2010/main" val="346744319"/>
+        <p14:creationId xmlns:p14="http://schemas.microsoft.com/office/powerpoint/2010/main" val="4012792646"/>
       </p:ext>
     </p:extLst>
   </p:cSld>
@@ -2470,7 +2470,7 @@
           <p:cNvPr id="2" name="标题 1">
             <a:extLst>
               <a:ext uri="{FF2B5EF4-FFF2-40B4-BE49-F238E27FC236}">
-                <a16:creationId xmlns:a16="http://schemas.microsoft.com/office/drawing/2014/main" id="{CBF5BDBB-093B-A743-DA5C-89DBC67BCEF0}"/>
+                <a16:creationId xmlns:a16="http://schemas.microsoft.com/office/drawing/2014/main" id="{E5668D24-280C-10D6-53A0-49540876CEFD}"/>
               </a:ext>
             </a:extLst>
           </p:cNvPr>
@@ -2507,7 +2507,7 @@
           <p:cNvPr id="3" name="图片占位符 2">
             <a:extLst>
               <a:ext uri="{FF2B5EF4-FFF2-40B4-BE49-F238E27FC236}">
-                <a16:creationId xmlns:a16="http://schemas.microsoft.com/office/drawing/2014/main" id="{EB97EBF1-A92D-E996-4B3A-E9272594F162}"/>
+                <a16:creationId xmlns:a16="http://schemas.microsoft.com/office/drawing/2014/main" id="{2B52A614-2EE8-933B-3B98-514DE8B1A76A}"/>
               </a:ext>
             </a:extLst>
           </p:cNvPr>
@@ -2574,7 +2574,7 @@
           <p:cNvPr id="4" name="文本占位符 3">
             <a:extLst>
               <a:ext uri="{FF2B5EF4-FFF2-40B4-BE49-F238E27FC236}">
-                <a16:creationId xmlns:a16="http://schemas.microsoft.com/office/drawing/2014/main" id="{341E0332-86DF-32E1-E394-DD2E23ACEFCA}"/>
+                <a16:creationId xmlns:a16="http://schemas.microsoft.com/office/drawing/2014/main" id="{F4BA27EB-037C-685B-675B-2E44F6811BE3}"/>
               </a:ext>
             </a:extLst>
           </p:cNvPr>
@@ -2645,7 +2645,7 @@
           <p:cNvPr id="5" name="日期占位符 4">
             <a:extLst>
               <a:ext uri="{FF2B5EF4-FFF2-40B4-BE49-F238E27FC236}">
-                <a16:creationId xmlns:a16="http://schemas.microsoft.com/office/drawing/2014/main" id="{DA0248BB-6383-B04D-5FF1-1E8BBDA3DFC0}"/>
+                <a16:creationId xmlns:a16="http://schemas.microsoft.com/office/drawing/2014/main" id="{3050647F-0C53-E4EB-1922-A459F4A8D868}"/>
               </a:ext>
             </a:extLst>
           </p:cNvPr>
@@ -2661,7 +2661,7 @@
           <a:bodyPr/>
           <a:lstStyle/>
           <a:p>
-            <a:fld id="{A982493E-0EDD-4712-B1D8-0FF8447CE6BB}" type="datetimeFigureOut">
+            <a:fld id="{A3C82F72-5B94-4F46-BAE3-49849EF04C42}" type="datetimeFigureOut">
               <a:rPr lang="zh-CN" altLang="en-US" smtClean="0"/>
               <a:t>2024/3/10</a:t>
             </a:fld>
@@ -2674,7 +2674,7 @@
           <p:cNvPr id="6" name="页脚占位符 5">
             <a:extLst>
               <a:ext uri="{FF2B5EF4-FFF2-40B4-BE49-F238E27FC236}">
-                <a16:creationId xmlns:a16="http://schemas.microsoft.com/office/drawing/2014/main" id="{13DF25C9-709D-6091-39D8-8CB7EDD3B23B}"/>
+                <a16:creationId xmlns:a16="http://schemas.microsoft.com/office/drawing/2014/main" id="{DDBA093E-22FD-5489-F8AA-8BE7DA2378B2}"/>
               </a:ext>
             </a:extLst>
           </p:cNvPr>
@@ -2699,7 +2699,7 @@
           <p:cNvPr id="7" name="灯片编号占位符 6">
             <a:extLst>
               <a:ext uri="{FF2B5EF4-FFF2-40B4-BE49-F238E27FC236}">
-                <a16:creationId xmlns:a16="http://schemas.microsoft.com/office/drawing/2014/main" id="{0131DA8D-21A4-C151-C76D-133210370BEE}"/>
+                <a16:creationId xmlns:a16="http://schemas.microsoft.com/office/drawing/2014/main" id="{799A5FA1-42BB-79DA-5E28-48EF25ACD8F3}"/>
               </a:ext>
             </a:extLst>
           </p:cNvPr>
@@ -2715,7 +2715,7 @@
           <a:bodyPr/>
           <a:lstStyle/>
           <a:p>
-            <a:fld id="{CA8EBACE-A36A-45C7-8DE2-8B581FA699B2}" type="slidenum">
+            <a:fld id="{DB8FB0C4-886A-42DF-AAE9-01287DCB2B91}" type="slidenum">
               <a:rPr lang="zh-CN" altLang="en-US" smtClean="0"/>
               <a:t>‹#›</a:t>
             </a:fld>
@@ -2726,7 +2726,7 @@
     </p:spTree>
     <p:extLst>
       <p:ext uri="{BB962C8B-B14F-4D97-AF65-F5344CB8AC3E}">
-        <p14:creationId xmlns:p14="http://schemas.microsoft.com/office/powerpoint/2010/main" val="3884463699"/>
+        <p14:creationId xmlns:p14="http://schemas.microsoft.com/office/powerpoint/2010/main" val="4042258733"/>
       </p:ext>
     </p:extLst>
   </p:cSld>
@@ -2763,7 +2763,7 @@
           <p:cNvPr id="2" name="标题占位符 1">
             <a:extLst>
               <a:ext uri="{FF2B5EF4-FFF2-40B4-BE49-F238E27FC236}">
-                <a16:creationId xmlns:a16="http://schemas.microsoft.com/office/drawing/2014/main" id="{D001CD35-310C-2299-00DC-837541F256A3}"/>
+                <a16:creationId xmlns:a16="http://schemas.microsoft.com/office/drawing/2014/main" id="{66D3B566-4830-9DB9-6AB7-4B1E75E9117F}"/>
               </a:ext>
             </a:extLst>
           </p:cNvPr>
@@ -2801,7 +2801,7 @@
           <p:cNvPr id="3" name="文本占位符 2">
             <a:extLst>
               <a:ext uri="{FF2B5EF4-FFF2-40B4-BE49-F238E27FC236}">
-                <a16:creationId xmlns:a16="http://schemas.microsoft.com/office/drawing/2014/main" id="{3BA53D3A-C4FB-4C2E-7D64-05BA20784BB6}"/>
+                <a16:creationId xmlns:a16="http://schemas.microsoft.com/office/drawing/2014/main" id="{26A3D007-D75B-BEC0-EAC2-8C55B269196C}"/>
               </a:ext>
             </a:extLst>
           </p:cNvPr>
@@ -2868,7 +2868,7 @@
           <p:cNvPr id="4" name="日期占位符 3">
             <a:extLst>
               <a:ext uri="{FF2B5EF4-FFF2-40B4-BE49-F238E27FC236}">
-                <a16:creationId xmlns:a16="http://schemas.microsoft.com/office/drawing/2014/main" id="{EDD9E787-298A-4597-DAEC-1F351A361A21}"/>
+                <a16:creationId xmlns:a16="http://schemas.microsoft.com/office/drawing/2014/main" id="{75A8D398-97B8-5968-25DA-4B520D0CB429}"/>
               </a:ext>
             </a:extLst>
           </p:cNvPr>
@@ -2902,7 +2902,7 @@
             </a:lvl1pPr>
           </a:lstStyle>
           <a:p>
-            <a:fld id="{A982493E-0EDD-4712-B1D8-0FF8447CE6BB}" type="datetimeFigureOut">
+            <a:fld id="{A3C82F72-5B94-4F46-BAE3-49849EF04C42}" type="datetimeFigureOut">
               <a:rPr lang="zh-CN" altLang="en-US" smtClean="0"/>
               <a:t>2024/3/10</a:t>
             </a:fld>
@@ -2915,7 +2915,7 @@
           <p:cNvPr id="5" name="页脚占位符 4">
             <a:extLst>
               <a:ext uri="{FF2B5EF4-FFF2-40B4-BE49-F238E27FC236}">
-                <a16:creationId xmlns:a16="http://schemas.microsoft.com/office/drawing/2014/main" id="{D4F5FAA3-FFF3-1B99-1BAD-6E274E68E7A3}"/>
+                <a16:creationId xmlns:a16="http://schemas.microsoft.com/office/drawing/2014/main" id="{3A010FC8-547A-2561-A752-0F6776C15940}"/>
               </a:ext>
             </a:extLst>
           </p:cNvPr>
@@ -2958,7 +2958,7 @@
           <p:cNvPr id="6" name="灯片编号占位符 5">
             <a:extLst>
               <a:ext uri="{FF2B5EF4-FFF2-40B4-BE49-F238E27FC236}">
-                <a16:creationId xmlns:a16="http://schemas.microsoft.com/office/drawing/2014/main" id="{502E1E90-4793-C7DA-D1F0-F55F34630632}"/>
+                <a16:creationId xmlns:a16="http://schemas.microsoft.com/office/drawing/2014/main" id="{C6C2D74F-FD98-35B0-650E-2C9E888B9103}"/>
               </a:ext>
             </a:extLst>
           </p:cNvPr>
@@ -2992,7 +2992,7 @@
             </a:lvl1pPr>
           </a:lstStyle>
           <a:p>
-            <a:fld id="{CA8EBACE-A36A-45C7-8DE2-8B581FA699B2}" type="slidenum">
+            <a:fld id="{DB8FB0C4-886A-42DF-AAE9-01287DCB2B91}" type="slidenum">
               <a:rPr lang="zh-CN" altLang="en-US" smtClean="0"/>
               <a:t>‹#›</a:t>
             </a:fld>
@@ -3003,7 +3003,7 @@
     </p:spTree>
     <p:extLst>
       <p:ext uri="{BB962C8B-B14F-4D97-AF65-F5344CB8AC3E}">
-        <p14:creationId xmlns:p14="http://schemas.microsoft.com/office/powerpoint/2010/main" val="2730597987"/>
+        <p14:creationId xmlns:p14="http://schemas.microsoft.com/office/powerpoint/2010/main" val="2264526252"/>
       </p:ext>
     </p:extLst>
   </p:cSld>
